--- a/05-cvicenie/cvicenie05.pptx
+++ b/05-cvicenie/cvicenie05.pptx
@@ -8,6 +8,9 @@
     <p:sldId id="256" r:id="rId2"/>
     <p:sldId id="257" r:id="rId3"/>
     <p:sldId id="258" r:id="rId4"/>
+    <p:sldId id="259" r:id="rId5"/>
+    <p:sldId id="260" r:id="rId6"/>
+    <p:sldId id="261" r:id="rId7"/>
   </p:sldIdLst>
   <p:sldSz cx="12192000" cy="6858000"/>
   <p:notesSz cx="6858000" cy="9144000"/>
@@ -263,7 +266,7 @@
           <a:p>
             <a:fld id="{7153F89A-8404-D74D-AA8D-36A58DED548C}" type="datetimeFigureOut">
               <a:rPr lang="en-GB" smtClean="0"/>
-              <a:t>12/10/2018</a:t>
+              <a:t>15/10/2018</a:t>
             </a:fld>
             <a:endParaRPr lang="en-GB"/>
           </a:p>
@@ -463,7 +466,7 @@
           <a:p>
             <a:fld id="{7153F89A-8404-D74D-AA8D-36A58DED548C}" type="datetimeFigureOut">
               <a:rPr lang="en-GB" smtClean="0"/>
-              <a:t>12/10/2018</a:t>
+              <a:t>15/10/2018</a:t>
             </a:fld>
             <a:endParaRPr lang="en-GB"/>
           </a:p>
@@ -673,7 +676,7 @@
           <a:p>
             <a:fld id="{7153F89A-8404-D74D-AA8D-36A58DED548C}" type="datetimeFigureOut">
               <a:rPr lang="en-GB" smtClean="0"/>
-              <a:t>12/10/2018</a:t>
+              <a:t>15/10/2018</a:t>
             </a:fld>
             <a:endParaRPr lang="en-GB"/>
           </a:p>
@@ -873,7 +876,7 @@
           <a:p>
             <a:fld id="{7153F89A-8404-D74D-AA8D-36A58DED548C}" type="datetimeFigureOut">
               <a:rPr lang="en-GB" smtClean="0"/>
-              <a:t>12/10/2018</a:t>
+              <a:t>15/10/2018</a:t>
             </a:fld>
             <a:endParaRPr lang="en-GB"/>
           </a:p>
@@ -1149,7 +1152,7 @@
           <a:p>
             <a:fld id="{7153F89A-8404-D74D-AA8D-36A58DED548C}" type="datetimeFigureOut">
               <a:rPr lang="en-GB" smtClean="0"/>
-              <a:t>12/10/2018</a:t>
+              <a:t>15/10/2018</a:t>
             </a:fld>
             <a:endParaRPr lang="en-GB"/>
           </a:p>
@@ -1417,7 +1420,7 @@
           <a:p>
             <a:fld id="{7153F89A-8404-D74D-AA8D-36A58DED548C}" type="datetimeFigureOut">
               <a:rPr lang="en-GB" smtClean="0"/>
-              <a:t>12/10/2018</a:t>
+              <a:t>15/10/2018</a:t>
             </a:fld>
             <a:endParaRPr lang="en-GB"/>
           </a:p>
@@ -1832,7 +1835,7 @@
           <a:p>
             <a:fld id="{7153F89A-8404-D74D-AA8D-36A58DED548C}" type="datetimeFigureOut">
               <a:rPr lang="en-GB" smtClean="0"/>
-              <a:t>12/10/2018</a:t>
+              <a:t>15/10/2018</a:t>
             </a:fld>
             <a:endParaRPr lang="en-GB"/>
           </a:p>
@@ -1974,7 +1977,7 @@
           <a:p>
             <a:fld id="{7153F89A-8404-D74D-AA8D-36A58DED548C}" type="datetimeFigureOut">
               <a:rPr lang="en-GB" smtClean="0"/>
-              <a:t>12/10/2018</a:t>
+              <a:t>15/10/2018</a:t>
             </a:fld>
             <a:endParaRPr lang="en-GB"/>
           </a:p>
@@ -2087,7 +2090,7 @@
           <a:p>
             <a:fld id="{7153F89A-8404-D74D-AA8D-36A58DED548C}" type="datetimeFigureOut">
               <a:rPr lang="en-GB" smtClean="0"/>
-              <a:t>12/10/2018</a:t>
+              <a:t>15/10/2018</a:t>
             </a:fld>
             <a:endParaRPr lang="en-GB"/>
           </a:p>
@@ -2400,7 +2403,7 @@
           <a:p>
             <a:fld id="{7153F89A-8404-D74D-AA8D-36A58DED548C}" type="datetimeFigureOut">
               <a:rPr lang="en-GB" smtClean="0"/>
-              <a:t>12/10/2018</a:t>
+              <a:t>15/10/2018</a:t>
             </a:fld>
             <a:endParaRPr lang="en-GB"/>
           </a:p>
@@ -2689,7 +2692,7 @@
           <a:p>
             <a:fld id="{7153F89A-8404-D74D-AA8D-36A58DED548C}" type="datetimeFigureOut">
               <a:rPr lang="en-GB" smtClean="0"/>
-              <a:t>12/10/2018</a:t>
+              <a:t>15/10/2018</a:t>
             </a:fld>
             <a:endParaRPr lang="en-GB"/>
           </a:p>
@@ -2932,7 +2935,7 @@
           <a:p>
             <a:fld id="{7153F89A-8404-D74D-AA8D-36A58DED548C}" type="datetimeFigureOut">
               <a:rPr lang="en-GB" smtClean="0"/>
-              <a:t>12/10/2018</a:t>
+              <a:t>15/10/2018</a:t>
             </a:fld>
             <a:endParaRPr lang="en-GB"/>
           </a:p>
@@ -4768,6 +4771,688 @@
 </p:sld>
 </file>
 
+<file path=ppt/slides/slide4.xml><?xml version="1.0" encoding="utf-8"?>
+<p:sld xmlns:a="http://schemas.openxmlformats.org/drawingml/2006/main" xmlns:r="http://schemas.openxmlformats.org/officeDocument/2006/relationships" xmlns:p="http://schemas.openxmlformats.org/presentationml/2006/main">
+  <p:cSld>
+    <p:spTree>
+      <p:nvGrpSpPr>
+        <p:cNvPr id="1" name=""/>
+        <p:cNvGrpSpPr/>
+        <p:nvPr/>
+      </p:nvGrpSpPr>
+      <p:grpSpPr>
+        <a:xfrm>
+          <a:off x="0" y="0"/>
+          <a:ext cx="0" cy="0"/>
+          <a:chOff x="0" y="0"/>
+          <a:chExt cx="0" cy="0"/>
+        </a:xfrm>
+      </p:grpSpPr>
+      <p:sp>
+        <p:nvSpPr>
+          <p:cNvPr id="2" name="Title 1">
+            <a:extLst>
+              <a:ext uri="{FF2B5EF4-FFF2-40B4-BE49-F238E27FC236}">
+                <a16:creationId xmlns:a16="http://schemas.microsoft.com/office/drawing/2014/main" id="{2E38DA80-6F33-C84F-8371-8ED7778BB7BD}"/>
+              </a:ext>
+            </a:extLst>
+          </p:cNvPr>
+          <p:cNvSpPr>
+            <a:spLocks noGrp="1"/>
+          </p:cNvSpPr>
+          <p:nvPr>
+            <p:ph type="title"/>
+          </p:nvPr>
+        </p:nvSpPr>
+        <p:spPr/>
+        <p:txBody>
+          <a:bodyPr/>
+          <a:lstStyle/>
+          <a:p>
+            <a:r>
+              <a:rPr lang="en-GB" dirty="0" err="1"/>
+              <a:t>zadanie</a:t>
+            </a:r>
+            <a:r>
+              <a:rPr lang="en-GB" dirty="0"/>
+              <a:t> 05-02 – mixing objects </a:t>
+            </a:r>
+            <a:br>
+              <a:rPr lang="en-GB" dirty="0"/>
+            </a:br>
+            <a:r>
+              <a:rPr lang="en-GB" dirty="0"/>
+              <a:t>assign vs spread</a:t>
+            </a:r>
+          </a:p>
+        </p:txBody>
+      </p:sp>
+      <p:sp>
+        <p:nvSpPr>
+          <p:cNvPr id="3" name="Content Placeholder 2">
+            <a:extLst>
+              <a:ext uri="{FF2B5EF4-FFF2-40B4-BE49-F238E27FC236}">
+                <a16:creationId xmlns:a16="http://schemas.microsoft.com/office/drawing/2014/main" id="{03DB90FD-C9B2-5A4C-B815-5A17B96E6C0F}"/>
+              </a:ext>
+            </a:extLst>
+          </p:cNvPr>
+          <p:cNvSpPr>
+            <a:spLocks noGrp="1"/>
+          </p:cNvSpPr>
+          <p:nvPr>
+            <p:ph idx="1"/>
+          </p:nvPr>
+        </p:nvSpPr>
+        <p:spPr>
+          <a:xfrm>
+            <a:off x="838200" y="1690688"/>
+            <a:ext cx="5592745" cy="4486275"/>
+          </a:xfrm>
+        </p:spPr>
+        <p:txBody>
+          <a:bodyPr>
+            <a:normAutofit fontScale="92500"/>
+          </a:bodyPr>
+          <a:lstStyle/>
+          <a:p>
+            <a:r>
+              <a:rPr lang="en-GB" dirty="0"/>
+              <a:t>play with the samples in wawjs-cvicenie05/test/</a:t>
+            </a:r>
+            <a:r>
+              <a:rPr lang="en-GB" dirty="0" err="1"/>
+              <a:t>objects.spec.js</a:t>
+            </a:r>
+            <a:endParaRPr lang="en-GB" dirty="0"/>
+          </a:p>
+          <a:p>
+            <a:r>
+              <a:rPr lang="en-GB" dirty="0"/>
+              <a:t>NAPISTE TEST DOKAZUJUCI DANE TVRDENIE</a:t>
+            </a:r>
+          </a:p>
+          <a:p>
+            <a:r>
+              <a:rPr lang="en-GB" dirty="0" err="1"/>
+              <a:t>pridajte</a:t>
+            </a:r>
+            <a:r>
+              <a:rPr lang="en-GB" dirty="0"/>
+              <a:t> do demo </a:t>
+            </a:r>
+            <a:r>
+              <a:rPr lang="en-GB" dirty="0" err="1"/>
+              <a:t>objektu</a:t>
+            </a:r>
+            <a:r>
+              <a:rPr lang="en-GB" dirty="0"/>
+              <a:t> </a:t>
+            </a:r>
+            <a:r>
+              <a:rPr lang="en-GB" dirty="0" err="1"/>
+              <a:t>setre</a:t>
+            </a:r>
+            <a:r>
+              <a:rPr lang="en-GB" dirty="0"/>
+              <a:t> a </a:t>
+            </a:r>
+            <a:r>
+              <a:rPr lang="en-GB" dirty="0" err="1"/>
+              <a:t>getre</a:t>
+            </a:r>
+            <a:endParaRPr lang="en-GB" dirty="0"/>
+          </a:p>
+          <a:p>
+            <a:r>
+              <a:rPr lang="en-GB" dirty="0" err="1"/>
+              <a:t>dopiste</a:t>
+            </a:r>
+            <a:r>
+              <a:rPr lang="en-GB" dirty="0"/>
+              <a:t> do POC </a:t>
+            </a:r>
+            <a:r>
+              <a:rPr lang="en-GB" dirty="0" err="1"/>
+              <a:t>testov</a:t>
+            </a:r>
+            <a:r>
+              <a:rPr lang="en-GB" dirty="0"/>
+              <a:t> </a:t>
+            </a:r>
+            <a:r>
+              <a:rPr lang="en-GB" dirty="0" err="1"/>
+              <a:t>aserty</a:t>
+            </a:r>
+            <a:r>
+              <a:rPr lang="en-GB" dirty="0"/>
+              <a:t> </a:t>
+            </a:r>
+            <a:r>
+              <a:rPr lang="en-GB" dirty="0" err="1"/>
+              <a:t>dokazujuce</a:t>
+            </a:r>
+            <a:r>
+              <a:rPr lang="en-GB" dirty="0"/>
+              <a:t> ci </a:t>
+            </a:r>
+            <a:r>
+              <a:rPr lang="en-GB" dirty="0" err="1"/>
+              <a:t>sa</a:t>
+            </a:r>
+            <a:r>
+              <a:rPr lang="en-GB" dirty="0"/>
+              <a:t> </a:t>
+            </a:r>
+            <a:r>
+              <a:rPr lang="en-GB" dirty="0" err="1"/>
+              <a:t>zavolaju</a:t>
+            </a:r>
+            <a:r>
+              <a:rPr lang="en-GB" dirty="0"/>
+              <a:t> </a:t>
+            </a:r>
+            <a:r>
+              <a:rPr lang="en-GB" dirty="0" err="1"/>
+              <a:t>getre</a:t>
+            </a:r>
+            <a:r>
+              <a:rPr lang="en-GB" dirty="0"/>
+              <a:t> a </a:t>
+            </a:r>
+            <a:r>
+              <a:rPr lang="en-GB" dirty="0" err="1"/>
+              <a:t>setre</a:t>
+            </a:r>
+            <a:r>
+              <a:rPr lang="en-GB" dirty="0"/>
+              <a:t> </a:t>
+            </a:r>
+            <a:r>
+              <a:rPr lang="en-GB" dirty="0" err="1"/>
+              <a:t>pri</a:t>
+            </a:r>
+            <a:r>
+              <a:rPr lang="en-GB" dirty="0"/>
+              <a:t> </a:t>
+            </a:r>
+            <a:r>
+              <a:rPr lang="en-GB" dirty="0" err="1"/>
+              <a:t>jednotlivych</a:t>
+            </a:r>
+            <a:r>
+              <a:rPr lang="en-GB" dirty="0"/>
+              <a:t> </a:t>
+            </a:r>
+            <a:r>
+              <a:rPr lang="en-GB" dirty="0" err="1"/>
+              <a:t>sposoboch</a:t>
+            </a:r>
+            <a:r>
+              <a:rPr lang="en-GB" dirty="0"/>
+              <a:t> </a:t>
+            </a:r>
+            <a:r>
+              <a:rPr lang="en-GB" dirty="0" err="1"/>
+              <a:t>klonovania</a:t>
+            </a:r>
+            <a:endParaRPr lang="en-GB" dirty="0"/>
+          </a:p>
+          <a:p>
+            <a:r>
+              <a:rPr lang="en-GB" dirty="0" err="1"/>
+              <a:t>najskorej</a:t>
+            </a:r>
+            <a:r>
+              <a:rPr lang="en-GB" dirty="0"/>
+              <a:t> </a:t>
+            </a:r>
+            <a:r>
+              <a:rPr lang="en-GB" dirty="0" err="1"/>
+              <a:t>si</a:t>
+            </a:r>
+            <a:r>
+              <a:rPr lang="en-GB" dirty="0"/>
+              <a:t> to ale </a:t>
+            </a:r>
+            <a:r>
+              <a:rPr lang="en-GB" dirty="0" err="1"/>
+              <a:t>precitajte</a:t>
+            </a:r>
+            <a:r>
+              <a:rPr lang="en-GB" dirty="0"/>
+              <a:t> v </a:t>
+            </a:r>
+            <a:r>
+              <a:rPr lang="en-GB" dirty="0" err="1"/>
+              <a:t>doksoch</a:t>
+            </a:r>
+            <a:endParaRPr lang="en-GB" dirty="0"/>
+          </a:p>
+        </p:txBody>
+      </p:sp>
+      <p:pic>
+        <p:nvPicPr>
+          <p:cNvPr id="5" name="Picture 4">
+            <a:extLst>
+              <a:ext uri="{FF2B5EF4-FFF2-40B4-BE49-F238E27FC236}">
+                <a16:creationId xmlns:a16="http://schemas.microsoft.com/office/drawing/2014/main" id="{38417AC9-BF12-F644-8DD0-2D1DD651E7A9}"/>
+              </a:ext>
+            </a:extLst>
+          </p:cNvPr>
+          <p:cNvPicPr>
+            <a:picLocks noChangeAspect="1"/>
+          </p:cNvPicPr>
+          <p:nvPr/>
+        </p:nvPicPr>
+        <p:blipFill>
+          <a:blip r:embed="rId2"/>
+          <a:stretch>
+            <a:fillRect/>
+          </a:stretch>
+        </p:blipFill>
+        <p:spPr>
+          <a:xfrm>
+            <a:off x="6659843" y="1690688"/>
+            <a:ext cx="5252047" cy="1154766"/>
+          </a:xfrm>
+          <a:prstGeom prst="rect">
+            <a:avLst/>
+          </a:prstGeom>
+        </p:spPr>
+      </p:pic>
+      <p:sp>
+        <p:nvSpPr>
+          <p:cNvPr id="6" name="Rectangle 5">
+            <a:extLst>
+              <a:ext uri="{FF2B5EF4-FFF2-40B4-BE49-F238E27FC236}">
+                <a16:creationId xmlns:a16="http://schemas.microsoft.com/office/drawing/2014/main" id="{57D407A9-5F2A-8548-A2D1-A3E904AFC825}"/>
+              </a:ext>
+            </a:extLst>
+          </p:cNvPr>
+          <p:cNvSpPr/>
+          <p:nvPr/>
+        </p:nvSpPr>
+        <p:spPr>
+          <a:xfrm>
+            <a:off x="6659843" y="3016251"/>
+            <a:ext cx="5252048" cy="1200329"/>
+          </a:xfrm>
+          <a:prstGeom prst="rect">
+            <a:avLst/>
+          </a:prstGeom>
+        </p:spPr>
+        <p:txBody>
+          <a:bodyPr wrap="square">
+            <a:spAutoFit/>
+          </a:bodyPr>
+          <a:lstStyle/>
+          <a:p>
+            <a:r>
+              <a:rPr lang="en-GB" dirty="0">
+                <a:hlinkClick r:id="rId3"/>
+              </a:rPr>
+              <a:t>https://developer.mozilla.org/en-US/docs/Web/JavaScript/Reference/Operators/Spread_syntax#Spread_in_object_literals</a:t>
+            </a:r>
+            <a:endParaRPr lang="en-GB" dirty="0"/>
+          </a:p>
+          <a:p>
+            <a:endParaRPr lang="en-GB" dirty="0"/>
+          </a:p>
+        </p:txBody>
+      </p:sp>
+    </p:spTree>
+    <p:extLst>
+      <p:ext uri="{BB962C8B-B14F-4D97-AF65-F5344CB8AC3E}">
+        <p14:creationId xmlns:p14="http://schemas.microsoft.com/office/powerpoint/2010/main" val="1350762625"/>
+      </p:ext>
+    </p:extLst>
+  </p:cSld>
+  <p:clrMapOvr>
+    <a:masterClrMapping/>
+  </p:clrMapOvr>
+</p:sld>
+</file>
+
+<file path=ppt/slides/slide5.xml><?xml version="1.0" encoding="utf-8"?>
+<p:sld xmlns:a="http://schemas.openxmlformats.org/drawingml/2006/main" xmlns:r="http://schemas.openxmlformats.org/officeDocument/2006/relationships" xmlns:p="http://schemas.openxmlformats.org/presentationml/2006/main">
+  <p:cSld>
+    <p:spTree>
+      <p:nvGrpSpPr>
+        <p:cNvPr id="1" name=""/>
+        <p:cNvGrpSpPr/>
+        <p:nvPr/>
+      </p:nvGrpSpPr>
+      <p:grpSpPr>
+        <a:xfrm>
+          <a:off x="0" y="0"/>
+          <a:ext cx="0" cy="0"/>
+          <a:chOff x="0" y="0"/>
+          <a:chExt cx="0" cy="0"/>
+        </a:xfrm>
+      </p:grpSpPr>
+      <p:sp>
+        <p:nvSpPr>
+          <p:cNvPr id="2" name="Title 1">
+            <a:extLst>
+              <a:ext uri="{FF2B5EF4-FFF2-40B4-BE49-F238E27FC236}">
+                <a16:creationId xmlns:a16="http://schemas.microsoft.com/office/drawing/2014/main" id="{2E38DA80-6F33-C84F-8371-8ED7778BB7BD}"/>
+              </a:ext>
+            </a:extLst>
+          </p:cNvPr>
+          <p:cNvSpPr>
+            <a:spLocks noGrp="1"/>
+          </p:cNvSpPr>
+          <p:nvPr>
+            <p:ph type="title"/>
+          </p:nvPr>
+        </p:nvSpPr>
+        <p:spPr/>
+        <p:txBody>
+          <a:bodyPr/>
+          <a:lstStyle/>
+          <a:p>
+            <a:r>
+              <a:rPr lang="en-GB" dirty="0" err="1"/>
+              <a:t>zadanie</a:t>
+            </a:r>
+            <a:r>
+              <a:rPr lang="en-GB" dirty="0"/>
+              <a:t> 05-03 – mixing objects </a:t>
+            </a:r>
+            <a:br>
+              <a:rPr lang="en-GB" dirty="0"/>
+            </a:br>
+            <a:r>
+              <a:rPr lang="en-GB" dirty="0"/>
+              <a:t>assign vs spread</a:t>
+            </a:r>
+          </a:p>
+        </p:txBody>
+      </p:sp>
+      <p:sp>
+        <p:nvSpPr>
+          <p:cNvPr id="3" name="Content Placeholder 2">
+            <a:extLst>
+              <a:ext uri="{FF2B5EF4-FFF2-40B4-BE49-F238E27FC236}">
+                <a16:creationId xmlns:a16="http://schemas.microsoft.com/office/drawing/2014/main" id="{03DB90FD-C9B2-5A4C-B815-5A17B96E6C0F}"/>
+              </a:ext>
+            </a:extLst>
+          </p:cNvPr>
+          <p:cNvSpPr>
+            <a:spLocks noGrp="1"/>
+          </p:cNvSpPr>
+          <p:nvPr>
+            <p:ph idx="1"/>
+          </p:nvPr>
+        </p:nvSpPr>
+        <p:spPr>
+          <a:xfrm>
+            <a:off x="838200" y="1690688"/>
+            <a:ext cx="5592745" cy="4486275"/>
+          </a:xfrm>
+        </p:spPr>
+        <p:txBody>
+          <a:bodyPr/>
+          <a:lstStyle/>
+          <a:p>
+            <a:r>
+              <a:rPr lang="en-GB" dirty="0"/>
+              <a:t>implement 2 merge methods</a:t>
+            </a:r>
+          </a:p>
+          <a:p>
+            <a:r>
+              <a:rPr lang="en-GB" dirty="0"/>
+              <a:t>make tests green</a:t>
+            </a:r>
+          </a:p>
+          <a:p>
+            <a:r>
+              <a:rPr lang="en-GB" dirty="0"/>
+              <a:t>add more tests</a:t>
+            </a:r>
+          </a:p>
+          <a:p>
+            <a:r>
+              <a:rPr lang="en-GB" dirty="0"/>
+              <a:t>add tests for zero and one parameter</a:t>
+            </a:r>
+          </a:p>
+          <a:p>
+            <a:r>
+              <a:rPr lang="en-GB" dirty="0"/>
+              <a:t>try to DRY (compose) both methods from reusable parts</a:t>
+            </a:r>
+          </a:p>
+          <a:p>
+            <a:endParaRPr lang="en-GB" dirty="0"/>
+          </a:p>
+        </p:txBody>
+      </p:sp>
+      <p:sp>
+        <p:nvSpPr>
+          <p:cNvPr id="6" name="Rectangle 5">
+            <a:extLst>
+              <a:ext uri="{FF2B5EF4-FFF2-40B4-BE49-F238E27FC236}">
+                <a16:creationId xmlns:a16="http://schemas.microsoft.com/office/drawing/2014/main" id="{57D407A9-5F2A-8548-A2D1-A3E904AFC825}"/>
+              </a:ext>
+            </a:extLst>
+          </p:cNvPr>
+          <p:cNvSpPr/>
+          <p:nvPr/>
+        </p:nvSpPr>
+        <p:spPr>
+          <a:xfrm>
+            <a:off x="5589800" y="2683507"/>
+            <a:ext cx="5252048" cy="1200329"/>
+          </a:xfrm>
+          <a:prstGeom prst="rect">
+            <a:avLst/>
+          </a:prstGeom>
+        </p:spPr>
+        <p:txBody>
+          <a:bodyPr wrap="square">
+            <a:spAutoFit/>
+          </a:bodyPr>
+          <a:lstStyle/>
+          <a:p>
+            <a:r>
+              <a:rPr lang="en-GB" dirty="0">
+                <a:hlinkClick r:id="rId2"/>
+              </a:rPr>
+              <a:t>https://developer.mozilla.org/en-US/docs/Web/JavaScript/Reference/Operators/Spread_syntax#Spread_in_object_literals</a:t>
+            </a:r>
+            <a:endParaRPr lang="en-GB" dirty="0"/>
+          </a:p>
+          <a:p>
+            <a:endParaRPr lang="en-GB" dirty="0"/>
+          </a:p>
+        </p:txBody>
+      </p:sp>
+      <p:pic>
+        <p:nvPicPr>
+          <p:cNvPr id="4" name="Picture 3">
+            <a:extLst>
+              <a:ext uri="{FF2B5EF4-FFF2-40B4-BE49-F238E27FC236}">
+                <a16:creationId xmlns:a16="http://schemas.microsoft.com/office/drawing/2014/main" id="{70A7FFFB-FA78-D243-8D0C-E87072543A48}"/>
+              </a:ext>
+            </a:extLst>
+          </p:cNvPr>
+          <p:cNvPicPr>
+            <a:picLocks noChangeAspect="1"/>
+          </p:cNvPicPr>
+          <p:nvPr/>
+        </p:nvPicPr>
+        <p:blipFill>
+          <a:blip r:embed="rId3"/>
+          <a:stretch>
+            <a:fillRect/>
+          </a:stretch>
+        </p:blipFill>
+        <p:spPr>
+          <a:xfrm>
+            <a:off x="5687919" y="1779048"/>
+            <a:ext cx="6408907" cy="779225"/>
+          </a:xfrm>
+          <a:prstGeom prst="rect">
+            <a:avLst/>
+          </a:prstGeom>
+        </p:spPr>
+      </p:pic>
+    </p:spTree>
+    <p:extLst>
+      <p:ext uri="{BB962C8B-B14F-4D97-AF65-F5344CB8AC3E}">
+        <p14:creationId xmlns:p14="http://schemas.microsoft.com/office/powerpoint/2010/main" val="445052906"/>
+      </p:ext>
+    </p:extLst>
+  </p:cSld>
+  <p:clrMapOvr>
+    <a:masterClrMapping/>
+  </p:clrMapOvr>
+</p:sld>
+</file>
+
+<file path=ppt/slides/slide6.xml><?xml version="1.0" encoding="utf-8"?>
+<p:sld xmlns:a="http://schemas.openxmlformats.org/drawingml/2006/main" xmlns:r="http://schemas.openxmlformats.org/officeDocument/2006/relationships" xmlns:p="http://schemas.openxmlformats.org/presentationml/2006/main">
+  <p:cSld>
+    <p:spTree>
+      <p:nvGrpSpPr>
+        <p:cNvPr id="1" name=""/>
+        <p:cNvGrpSpPr/>
+        <p:nvPr/>
+      </p:nvGrpSpPr>
+      <p:grpSpPr>
+        <a:xfrm>
+          <a:off x="0" y="0"/>
+          <a:ext cx="0" cy="0"/>
+          <a:chOff x="0" y="0"/>
+          <a:chExt cx="0" cy="0"/>
+        </a:xfrm>
+      </p:grpSpPr>
+      <p:sp>
+        <p:nvSpPr>
+          <p:cNvPr id="2" name="Title 1">
+            <a:extLst>
+              <a:ext uri="{FF2B5EF4-FFF2-40B4-BE49-F238E27FC236}">
+                <a16:creationId xmlns:a16="http://schemas.microsoft.com/office/drawing/2014/main" id="{8066AE02-47C3-7045-9BBA-E3499AD32F3F}"/>
+              </a:ext>
+            </a:extLst>
+          </p:cNvPr>
+          <p:cNvSpPr>
+            <a:spLocks noGrp="1"/>
+          </p:cNvSpPr>
+          <p:nvPr>
+            <p:ph type="title"/>
+          </p:nvPr>
+        </p:nvSpPr>
+        <p:spPr/>
+        <p:txBody>
+          <a:bodyPr/>
+          <a:lstStyle/>
+          <a:p>
+            <a:r>
+              <a:rPr lang="en-GB" dirty="0" err="1"/>
+              <a:t>hodnotenie</a:t>
+            </a:r>
+            <a:endParaRPr lang="en-GB" dirty="0"/>
+          </a:p>
+        </p:txBody>
+      </p:sp>
+      <p:sp>
+        <p:nvSpPr>
+          <p:cNvPr id="3" name="Content Placeholder 2">
+            <a:extLst>
+              <a:ext uri="{FF2B5EF4-FFF2-40B4-BE49-F238E27FC236}">
+                <a16:creationId xmlns:a16="http://schemas.microsoft.com/office/drawing/2014/main" id="{AF82C6B2-FF58-494F-86A4-DCB96A00F78D}"/>
+              </a:ext>
+            </a:extLst>
+          </p:cNvPr>
+          <p:cNvSpPr>
+            <a:spLocks noGrp="1"/>
+          </p:cNvSpPr>
+          <p:nvPr>
+            <p:ph idx="1"/>
+          </p:nvPr>
+        </p:nvSpPr>
+        <p:spPr/>
+        <p:txBody>
+          <a:bodyPr/>
+          <a:lstStyle/>
+          <a:p>
+            <a:r>
+              <a:rPr lang="en-GB" dirty="0" err="1"/>
+              <a:t>zaznamcit</a:t>
+            </a:r>
+            <a:r>
+              <a:rPr lang="en-GB" dirty="0"/>
+              <a:t> u </a:t>
+            </a:r>
+            <a:r>
+              <a:rPr lang="en-GB" dirty="0" err="1"/>
+              <a:t>kazdeho</a:t>
+            </a:r>
+            <a:r>
+              <a:rPr lang="en-GB" dirty="0"/>
+              <a:t> </a:t>
+            </a:r>
+            <a:r>
+              <a:rPr lang="en-GB" dirty="0" err="1"/>
+              <a:t>studenta</a:t>
+            </a:r>
+            <a:r>
+              <a:rPr lang="en-GB" dirty="0"/>
+              <a:t> </a:t>
+            </a:r>
+          </a:p>
+          <a:p>
+            <a:r>
+              <a:rPr lang="en-GB" dirty="0"/>
+              <a:t>X of 8 (01)</a:t>
+            </a:r>
+          </a:p>
+          <a:p>
+            <a:r>
+              <a:rPr lang="en-GB" dirty="0"/>
+              <a:t>X of 3 (02, 03)</a:t>
+            </a:r>
+          </a:p>
+          <a:p>
+            <a:endParaRPr lang="en-GB" dirty="0"/>
+          </a:p>
+          <a:p>
+            <a:r>
+              <a:rPr lang="en-GB" dirty="0"/>
+              <a:t>body </a:t>
+            </a:r>
+            <a:r>
+              <a:rPr lang="en-GB" dirty="0" err="1"/>
+              <a:t>pridelime</a:t>
+            </a:r>
+            <a:r>
+              <a:rPr lang="en-GB" dirty="0"/>
+              <a:t> </a:t>
+            </a:r>
+            <a:r>
+              <a:rPr lang="en-GB" dirty="0" err="1"/>
+              <a:t>potom</a:t>
+            </a:r>
+            <a:endParaRPr lang="en-GB" dirty="0"/>
+          </a:p>
+        </p:txBody>
+      </p:sp>
+    </p:spTree>
+    <p:extLst>
+      <p:ext uri="{BB962C8B-B14F-4D97-AF65-F5344CB8AC3E}">
+        <p14:creationId xmlns:p14="http://schemas.microsoft.com/office/powerpoint/2010/main" val="667634671"/>
+      </p:ext>
+    </p:extLst>
+  </p:cSld>
+  <p:clrMapOvr>
+    <a:masterClrMapping/>
+  </p:clrMapOvr>
+</p:sld>
+</file>
+
 <file path=ppt/theme/theme1.xml><?xml version="1.0" encoding="utf-8"?>
 <a:theme xmlns:a="http://schemas.openxmlformats.org/drawingml/2006/main" name="Office Theme">
   <a:themeElements>
